--- a/Presentations/Section19_ExpressJs.pptx
+++ b/Presentations/Section19_ExpressJs.pptx
@@ -12,6 +12,8 @@
     <p:sldId id="260" r:id="rId6"/>
     <p:sldId id="261" r:id="rId7"/>
     <p:sldId id="262" r:id="rId8"/>
+    <p:sldId id="263" r:id="rId9"/>
+    <p:sldId id="264" r:id="rId10"/>
   </p:sldIdLst>
   <p:sldSz cx="12192000" cy="6858000"/>
   <p:notesSz cx="6858000" cy="9144000"/>
@@ -4683,6 +4685,354 @@
 </p:sld>
 </file>
 
+<file path=ppt/slides/slide8.xml><?xml version="1.0" encoding="utf-8"?>
+<p:sld xmlns:a="http://schemas.openxmlformats.org/drawingml/2006/main" xmlns:r="http://schemas.openxmlformats.org/officeDocument/2006/relationships" xmlns:p="http://schemas.openxmlformats.org/presentationml/2006/main">
+  <p:cSld>
+    <p:spTree>
+      <p:nvGrpSpPr>
+        <p:cNvPr id="1" name=""/>
+        <p:cNvGrpSpPr/>
+        <p:nvPr/>
+      </p:nvGrpSpPr>
+      <p:grpSpPr>
+        <a:xfrm>
+          <a:off x="0" y="0"/>
+          <a:ext cx="0" cy="0"/>
+          <a:chOff x="0" y="0"/>
+          <a:chExt cx="0" cy="0"/>
+        </a:xfrm>
+      </p:grpSpPr>
+      <p:sp>
+        <p:nvSpPr>
+          <p:cNvPr id="2" name="Title 1">
+            <a:extLst>
+              <a:ext uri="{FF2B5EF4-FFF2-40B4-BE49-F238E27FC236}">
+                <a16:creationId xmlns:a16="http://schemas.microsoft.com/office/drawing/2014/main" id="{6AF69EA8-0917-93DD-ED85-9DB0F0B27CC1}"/>
+              </a:ext>
+            </a:extLst>
+          </p:cNvPr>
+          <p:cNvSpPr>
+            <a:spLocks noGrp="1"/>
+          </p:cNvSpPr>
+          <p:nvPr>
+            <p:ph type="title"/>
+          </p:nvPr>
+        </p:nvSpPr>
+        <p:spPr/>
+        <p:txBody>
+          <a:bodyPr/>
+          <a:lstStyle/>
+          <a:p>
+            <a:r>
+              <a:rPr lang="en-US" dirty="0" err="1"/>
+              <a:t>NodeMon</a:t>
+            </a:r>
+            <a:r>
+              <a:rPr lang="en-US" dirty="0"/>
+              <a:t>	</a:t>
+            </a:r>
+          </a:p>
+        </p:txBody>
+      </p:sp>
+      <p:sp>
+        <p:nvSpPr>
+          <p:cNvPr id="3" name="Content Placeholder 2">
+            <a:extLst>
+              <a:ext uri="{FF2B5EF4-FFF2-40B4-BE49-F238E27FC236}">
+                <a16:creationId xmlns:a16="http://schemas.microsoft.com/office/drawing/2014/main" id="{9FD8E16F-5A76-3052-913A-C926FE59D4B4}"/>
+              </a:ext>
+            </a:extLst>
+          </p:cNvPr>
+          <p:cNvSpPr>
+            <a:spLocks noGrp="1"/>
+          </p:cNvSpPr>
+          <p:nvPr>
+            <p:ph idx="1"/>
+          </p:nvPr>
+        </p:nvSpPr>
+        <p:spPr/>
+        <p:txBody>
+          <a:bodyPr>
+            <a:normAutofit fontScale="92500" lnSpcReduction="10000"/>
+          </a:bodyPr>
+          <a:lstStyle/>
+          <a:p>
+            <a:r>
+              <a:rPr lang="en-US" dirty="0"/>
+              <a:t>This tool is used to auto re-start the server after we make changes to any file in </a:t>
+            </a:r>
+            <a:r>
+              <a:rPr lang="en-US" dirty="0" err="1"/>
+              <a:t>server.js</a:t>
+            </a:r>
+            <a:r>
+              <a:rPr lang="en-US" dirty="0"/>
+              <a:t> file</a:t>
+            </a:r>
+          </a:p>
+          <a:p>
+            <a:r>
+              <a:rPr lang="en-US" dirty="0"/>
+              <a:t>To install this tool use below command</a:t>
+            </a:r>
+          </a:p>
+          <a:p>
+            <a:pPr lvl="1"/>
+            <a:r>
+              <a:rPr lang="en-US" dirty="0" err="1"/>
+              <a:t>sudo</a:t>
+            </a:r>
+            <a:r>
+              <a:rPr lang="en-US" dirty="0"/>
+              <a:t> </a:t>
+            </a:r>
+            <a:r>
+              <a:rPr lang="en-IN" dirty="0" err="1">
+                <a:solidFill>
+                  <a:srgbClr val="000000"/>
+                </a:solidFill>
+                <a:effectLst/>
+                <a:latin typeface="Menlo" panose="020B0609030804020204" pitchFamily="49" charset="0"/>
+              </a:rPr>
+              <a:t>npm</a:t>
+            </a:r>
+            <a:r>
+              <a:rPr lang="en-IN" dirty="0">
+                <a:solidFill>
+                  <a:srgbClr val="000000"/>
+                </a:solidFill>
+                <a:effectLst/>
+                <a:latin typeface="Menlo" panose="020B0609030804020204" pitchFamily="49" charset="0"/>
+              </a:rPr>
+              <a:t> install -g </a:t>
+            </a:r>
+            <a:r>
+              <a:rPr lang="en-IN" dirty="0" err="1">
+                <a:solidFill>
+                  <a:srgbClr val="000000"/>
+                </a:solidFill>
+                <a:effectLst/>
+                <a:latin typeface="Menlo" panose="020B0609030804020204" pitchFamily="49" charset="0"/>
+              </a:rPr>
+              <a:t>nodemon</a:t>
+            </a:r>
+            <a:r>
+              <a:rPr lang="en-IN" dirty="0">
+                <a:solidFill>
+                  <a:srgbClr val="000000"/>
+                </a:solidFill>
+                <a:effectLst/>
+                <a:latin typeface="Menlo" panose="020B0609030804020204" pitchFamily="49" charset="0"/>
+              </a:rPr>
+              <a:t> (can be installed anywhere)</a:t>
+            </a:r>
+          </a:p>
+          <a:p>
+            <a:pPr lvl="1"/>
+            <a:r>
+              <a:rPr lang="en-US" dirty="0"/>
+              <a:t>In case you receive any error , go to error folder manually and give all permission to file/folder which is causing the issue</a:t>
+            </a:r>
+          </a:p>
+          <a:p>
+            <a:pPr lvl="1"/>
+            <a:endParaRPr lang="en-US" dirty="0"/>
+          </a:p>
+          <a:p>
+            <a:r>
+              <a:rPr lang="en-US" dirty="0"/>
+              <a:t>If by chance the port is already in use, use below command to kill a process in mac</a:t>
+            </a:r>
+          </a:p>
+          <a:p>
+            <a:pPr lvl="2"/>
+            <a:r>
+              <a:rPr lang="en-US" dirty="0"/>
+              <a:t>First, you would want to know which process is using port 3000</a:t>
+            </a:r>
+          </a:p>
+          <a:p>
+            <a:pPr lvl="2"/>
+            <a:r>
+              <a:rPr lang="en-US" dirty="0" err="1"/>
+              <a:t>sudo</a:t>
+            </a:r>
+            <a:r>
+              <a:rPr lang="en-US" dirty="0"/>
+              <a:t> </a:t>
+            </a:r>
+            <a:r>
+              <a:rPr lang="en-US" dirty="0" err="1"/>
+              <a:t>lsof</a:t>
+            </a:r>
+            <a:r>
+              <a:rPr lang="en-US" dirty="0"/>
+              <a:t> -</a:t>
+            </a:r>
+            <a:r>
+              <a:rPr lang="en-US" dirty="0" err="1"/>
+              <a:t>i</a:t>
+            </a:r>
+            <a:r>
+              <a:rPr lang="en-US" dirty="0"/>
+              <a:t> :3000 ( this will list all PID listening on this port, once you have the PID you can terminate it with the following</a:t>
+            </a:r>
+            <a:r>
+              <a:rPr lang="en-US" dirty="0">
+                <a:sym typeface="Wingdings" pitchFamily="2" charset="2"/>
+              </a:rPr>
+              <a:t></a:t>
+            </a:r>
+            <a:endParaRPr lang="en-US" dirty="0"/>
+          </a:p>
+          <a:p>
+            <a:pPr lvl="2"/>
+            <a:r>
+              <a:rPr lang="en-US" dirty="0"/>
+              <a:t>kill -9 {PID}</a:t>
+            </a:r>
+          </a:p>
+          <a:p>
+            <a:pPr lvl="2"/>
+            <a:endParaRPr lang="en-US" dirty="0"/>
+          </a:p>
+        </p:txBody>
+      </p:sp>
+    </p:spTree>
+    <p:extLst>
+      <p:ext uri="{BB962C8B-B14F-4D97-AF65-F5344CB8AC3E}">
+        <p14:creationId xmlns:p14="http://schemas.microsoft.com/office/powerpoint/2010/main" val="1140452291"/>
+      </p:ext>
+    </p:extLst>
+  </p:cSld>
+  <p:clrMapOvr>
+    <a:masterClrMapping/>
+  </p:clrMapOvr>
+</p:sld>
+</file>
+
+<file path=ppt/slides/slide9.xml><?xml version="1.0" encoding="utf-8"?>
+<p:sld xmlns:a="http://schemas.openxmlformats.org/drawingml/2006/main" xmlns:r="http://schemas.openxmlformats.org/officeDocument/2006/relationships" xmlns:p="http://schemas.openxmlformats.org/presentationml/2006/main">
+  <p:cSld>
+    <p:spTree>
+      <p:nvGrpSpPr>
+        <p:cNvPr id="1" name=""/>
+        <p:cNvGrpSpPr/>
+        <p:nvPr/>
+      </p:nvGrpSpPr>
+      <p:grpSpPr>
+        <a:xfrm>
+          <a:off x="0" y="0"/>
+          <a:ext cx="0" cy="0"/>
+          <a:chOff x="0" y="0"/>
+          <a:chExt cx="0" cy="0"/>
+        </a:xfrm>
+      </p:grpSpPr>
+      <p:sp>
+        <p:nvSpPr>
+          <p:cNvPr id="2" name="Title 1">
+            <a:extLst>
+              <a:ext uri="{FF2B5EF4-FFF2-40B4-BE49-F238E27FC236}">
+                <a16:creationId xmlns:a16="http://schemas.microsoft.com/office/drawing/2014/main" id="{2887BDBD-6FFF-3112-C242-6D319DA34EA5}"/>
+              </a:ext>
+            </a:extLst>
+          </p:cNvPr>
+          <p:cNvSpPr>
+            <a:spLocks noGrp="1"/>
+          </p:cNvSpPr>
+          <p:nvPr>
+            <p:ph type="title"/>
+          </p:nvPr>
+        </p:nvSpPr>
+        <p:spPr/>
+        <p:txBody>
+          <a:bodyPr/>
+          <a:lstStyle/>
+          <a:p>
+            <a:r>
+              <a:rPr lang="en-US" dirty="0" err="1"/>
+              <a:t>NodeMon</a:t>
+            </a:r>
+            <a:r>
+              <a:rPr lang="en-US" dirty="0"/>
+              <a:t>	</a:t>
+            </a:r>
+          </a:p>
+        </p:txBody>
+      </p:sp>
+      <p:sp>
+        <p:nvSpPr>
+          <p:cNvPr id="3" name="Content Placeholder 2">
+            <a:extLst>
+              <a:ext uri="{FF2B5EF4-FFF2-40B4-BE49-F238E27FC236}">
+                <a16:creationId xmlns:a16="http://schemas.microsoft.com/office/drawing/2014/main" id="{99EB13C3-D731-A87A-4200-F7375481E65D}"/>
+              </a:ext>
+            </a:extLst>
+          </p:cNvPr>
+          <p:cNvSpPr>
+            <a:spLocks noGrp="1"/>
+          </p:cNvSpPr>
+          <p:nvPr>
+            <p:ph idx="1"/>
+          </p:nvPr>
+        </p:nvSpPr>
+        <p:spPr/>
+        <p:txBody>
+          <a:bodyPr/>
+          <a:lstStyle/>
+          <a:p>
+            <a:r>
+              <a:rPr lang="en-US" dirty="0"/>
+              <a:t>How to use </a:t>
+            </a:r>
+            <a:r>
+              <a:rPr lang="en-US" dirty="0" err="1"/>
+              <a:t>Nodemon</a:t>
+            </a:r>
+            <a:endParaRPr lang="en-US" dirty="0"/>
+          </a:p>
+          <a:p>
+            <a:pPr lvl="1"/>
+            <a:r>
+              <a:rPr lang="en-US" dirty="0"/>
+              <a:t>Use below command</a:t>
+            </a:r>
+          </a:p>
+          <a:p>
+            <a:pPr lvl="1"/>
+            <a:r>
+              <a:rPr lang="en-US" dirty="0"/>
+              <a:t> </a:t>
+            </a:r>
+            <a:r>
+              <a:rPr lang="en-US" dirty="0" err="1"/>
+              <a:t>nodemon</a:t>
+            </a:r>
+            <a:r>
+              <a:rPr lang="en-US" dirty="0"/>
+              <a:t> </a:t>
+            </a:r>
+            <a:r>
+              <a:rPr lang="en-US" dirty="0" err="1"/>
+              <a:t>server.js</a:t>
+            </a:r>
+            <a:endParaRPr lang="en-US" dirty="0"/>
+          </a:p>
+        </p:txBody>
+      </p:sp>
+    </p:spTree>
+    <p:extLst>
+      <p:ext uri="{BB962C8B-B14F-4D97-AF65-F5344CB8AC3E}">
+        <p14:creationId xmlns:p14="http://schemas.microsoft.com/office/powerpoint/2010/main" val="2047547338"/>
+      </p:ext>
+    </p:extLst>
+  </p:cSld>
+  <p:clrMapOvr>
+    <a:masterClrMapping/>
+  </p:clrMapOvr>
+</p:sld>
+</file>
+
 <file path=ppt/theme/theme1.xml><?xml version="1.0" encoding="utf-8"?>
 <a:theme xmlns:a="http://schemas.openxmlformats.org/drawingml/2006/main" name="Office Theme">
   <a:themeElements>

--- a/Presentations/Section19_ExpressJs.pptx
+++ b/Presentations/Section19_ExpressJs.pptx
@@ -14,6 +14,8 @@
     <p:sldId id="262" r:id="rId8"/>
     <p:sldId id="263" r:id="rId9"/>
     <p:sldId id="264" r:id="rId10"/>
+    <p:sldId id="266" r:id="rId11"/>
+    <p:sldId id="265" r:id="rId12"/>
   </p:sldIdLst>
   <p:sldSz cx="12192000" cy="6858000"/>
   <p:notesSz cx="6858000" cy="9144000"/>
@@ -269,7 +271,7 @@
           <a:p>
             <a:fld id="{CD93E3FE-720F-274C-BC35-520F6CF356E5}" type="datetimeFigureOut">
               <a:rPr lang="en-US" smtClean="0"/>
-              <a:t>12/27/22</a:t>
+              <a:t>12/28/22</a:t>
             </a:fld>
             <a:endParaRPr lang="en-US"/>
           </a:p>
@@ -469,7 +471,7 @@
           <a:p>
             <a:fld id="{CD93E3FE-720F-274C-BC35-520F6CF356E5}" type="datetimeFigureOut">
               <a:rPr lang="en-US" smtClean="0"/>
-              <a:t>12/27/22</a:t>
+              <a:t>12/28/22</a:t>
             </a:fld>
             <a:endParaRPr lang="en-US"/>
           </a:p>
@@ -679,7 +681,7 @@
           <a:p>
             <a:fld id="{CD93E3FE-720F-274C-BC35-520F6CF356E5}" type="datetimeFigureOut">
               <a:rPr lang="en-US" smtClean="0"/>
-              <a:t>12/27/22</a:t>
+              <a:t>12/28/22</a:t>
             </a:fld>
             <a:endParaRPr lang="en-US"/>
           </a:p>
@@ -879,7 +881,7 @@
           <a:p>
             <a:fld id="{CD93E3FE-720F-274C-BC35-520F6CF356E5}" type="datetimeFigureOut">
               <a:rPr lang="en-US" smtClean="0"/>
-              <a:t>12/27/22</a:t>
+              <a:t>12/28/22</a:t>
             </a:fld>
             <a:endParaRPr lang="en-US"/>
           </a:p>
@@ -1155,7 +1157,7 @@
           <a:p>
             <a:fld id="{CD93E3FE-720F-274C-BC35-520F6CF356E5}" type="datetimeFigureOut">
               <a:rPr lang="en-US" smtClean="0"/>
-              <a:t>12/27/22</a:t>
+              <a:t>12/28/22</a:t>
             </a:fld>
             <a:endParaRPr lang="en-US"/>
           </a:p>
@@ -1423,7 +1425,7 @@
           <a:p>
             <a:fld id="{CD93E3FE-720F-274C-BC35-520F6CF356E5}" type="datetimeFigureOut">
               <a:rPr lang="en-US" smtClean="0"/>
-              <a:t>12/27/22</a:t>
+              <a:t>12/28/22</a:t>
             </a:fld>
             <a:endParaRPr lang="en-US"/>
           </a:p>
@@ -1838,7 +1840,7 @@
           <a:p>
             <a:fld id="{CD93E3FE-720F-274C-BC35-520F6CF356E5}" type="datetimeFigureOut">
               <a:rPr lang="en-US" smtClean="0"/>
-              <a:t>12/27/22</a:t>
+              <a:t>12/28/22</a:t>
             </a:fld>
             <a:endParaRPr lang="en-US"/>
           </a:p>
@@ -1980,7 +1982,7 @@
           <a:p>
             <a:fld id="{CD93E3FE-720F-274C-BC35-520F6CF356E5}" type="datetimeFigureOut">
               <a:rPr lang="en-US" smtClean="0"/>
-              <a:t>12/27/22</a:t>
+              <a:t>12/28/22</a:t>
             </a:fld>
             <a:endParaRPr lang="en-US"/>
           </a:p>
@@ -2093,7 +2095,7 @@
           <a:p>
             <a:fld id="{CD93E3FE-720F-274C-BC35-520F6CF356E5}" type="datetimeFigureOut">
               <a:rPr lang="en-US" smtClean="0"/>
-              <a:t>12/27/22</a:t>
+              <a:t>12/28/22</a:t>
             </a:fld>
             <a:endParaRPr lang="en-US"/>
           </a:p>
@@ -2406,7 +2408,7 @@
           <a:p>
             <a:fld id="{CD93E3FE-720F-274C-BC35-520F6CF356E5}" type="datetimeFigureOut">
               <a:rPr lang="en-US" smtClean="0"/>
-              <a:t>12/27/22</a:t>
+              <a:t>12/28/22</a:t>
             </a:fld>
             <a:endParaRPr lang="en-US"/>
           </a:p>
@@ -2695,7 +2697,7 @@
           <a:p>
             <a:fld id="{CD93E3FE-720F-274C-BC35-520F6CF356E5}" type="datetimeFigureOut">
               <a:rPr lang="en-US" smtClean="0"/>
-              <a:t>12/27/22</a:t>
+              <a:t>12/28/22</a:t>
             </a:fld>
             <a:endParaRPr lang="en-US"/>
           </a:p>
@@ -2938,7 +2940,7 @@
           <a:p>
             <a:fld id="{CD93E3FE-720F-274C-BC35-520F6CF356E5}" type="datetimeFigureOut">
               <a:rPr lang="en-US" smtClean="0"/>
-              <a:t>12/27/22</a:t>
+              <a:t>12/28/22</a:t>
             </a:fld>
             <a:endParaRPr lang="en-US"/>
           </a:p>
@@ -3426,6 +3428,480 @@
 </p:sld>
 </file>
 
+<file path=ppt/slides/slide10.xml><?xml version="1.0" encoding="utf-8"?>
+<p:sld xmlns:a="http://schemas.openxmlformats.org/drawingml/2006/main" xmlns:r="http://schemas.openxmlformats.org/officeDocument/2006/relationships" xmlns:p="http://schemas.openxmlformats.org/presentationml/2006/main">
+  <p:cSld>
+    <p:spTree>
+      <p:nvGrpSpPr>
+        <p:cNvPr id="1" name=""/>
+        <p:cNvGrpSpPr/>
+        <p:nvPr/>
+      </p:nvGrpSpPr>
+      <p:grpSpPr>
+        <a:xfrm>
+          <a:off x="0" y="0"/>
+          <a:ext cx="0" cy="0"/>
+          <a:chOff x="0" y="0"/>
+          <a:chExt cx="0" cy="0"/>
+        </a:xfrm>
+      </p:grpSpPr>
+      <p:sp>
+        <p:nvSpPr>
+          <p:cNvPr id="2" name="Title 1">
+            <a:extLst>
+              <a:ext uri="{FF2B5EF4-FFF2-40B4-BE49-F238E27FC236}">
+                <a16:creationId xmlns:a16="http://schemas.microsoft.com/office/drawing/2014/main" id="{529C5628-78AC-5C8E-80FB-850A4EBC6A11}"/>
+              </a:ext>
+            </a:extLst>
+          </p:cNvPr>
+          <p:cNvSpPr>
+            <a:spLocks noGrp="1"/>
+          </p:cNvSpPr>
+          <p:nvPr>
+            <p:ph type="title"/>
+          </p:nvPr>
+        </p:nvSpPr>
+        <p:spPr/>
+        <p:txBody>
+          <a:bodyPr/>
+          <a:lstStyle/>
+          <a:p>
+            <a:r>
+              <a:rPr lang="en-US" dirty="0"/>
+              <a:t>Enable Server to receive a post data	</a:t>
+            </a:r>
+          </a:p>
+        </p:txBody>
+      </p:sp>
+      <p:sp>
+        <p:nvSpPr>
+          <p:cNvPr id="3" name="Content Placeholder 2">
+            <a:extLst>
+              <a:ext uri="{FF2B5EF4-FFF2-40B4-BE49-F238E27FC236}">
+                <a16:creationId xmlns:a16="http://schemas.microsoft.com/office/drawing/2014/main" id="{75422B36-8D07-9965-C9EA-10083F8B6CBC}"/>
+              </a:ext>
+            </a:extLst>
+          </p:cNvPr>
+          <p:cNvSpPr>
+            <a:spLocks noGrp="1"/>
+          </p:cNvSpPr>
+          <p:nvPr>
+            <p:ph idx="1"/>
+          </p:nvPr>
+        </p:nvSpPr>
+        <p:spPr/>
+        <p:txBody>
+          <a:bodyPr>
+            <a:normAutofit/>
+          </a:bodyPr>
+          <a:lstStyle/>
+          <a:p>
+            <a:pPr marL="0" indent="0">
+              <a:buNone/>
+            </a:pPr>
+            <a:r>
+              <a:rPr lang="en-US" sz="1600" dirty="0" err="1"/>
+              <a:t>app</a:t>
+            </a:r>
+            <a:r>
+              <a:rPr lang="en-US" sz="1600" dirty="0" err="1">
+                <a:solidFill>
+                  <a:srgbClr val="FF0000"/>
+                </a:solidFill>
+              </a:rPr>
+              <a:t>.post</a:t>
+            </a:r>
+            <a:r>
+              <a:rPr lang="en-US" sz="1600" dirty="0"/>
+              <a:t>('/</a:t>
+            </a:r>
+            <a:r>
+              <a:rPr lang="en-US" sz="1600" dirty="0" err="1"/>
+              <a:t>bmicalculator</a:t>
+            </a:r>
+            <a:r>
+              <a:rPr lang="en-US" sz="1600" dirty="0"/>
+              <a:t>',(</a:t>
+            </a:r>
+            <a:r>
+              <a:rPr lang="en-US" sz="1600" dirty="0" err="1"/>
+              <a:t>req,res</a:t>
+            </a:r>
+            <a:r>
+              <a:rPr lang="en-US" sz="1600" dirty="0"/>
+              <a:t>) =&gt; {</a:t>
+            </a:r>
+          </a:p>
+          <a:p>
+            <a:pPr marL="0" indent="0">
+              <a:buNone/>
+            </a:pPr>
+            <a:endParaRPr lang="en-US" sz="1600" dirty="0"/>
+          </a:p>
+          <a:p>
+            <a:pPr marL="914400" lvl="2" indent="0">
+              <a:buNone/>
+            </a:pPr>
+            <a:r>
+              <a:rPr lang="en-US" sz="800" dirty="0"/>
+              <a:t>var weight=</a:t>
+            </a:r>
+            <a:r>
+              <a:rPr lang="en-US" sz="800" dirty="0" err="1"/>
+              <a:t>parseFloat</a:t>
+            </a:r>
+            <a:r>
+              <a:rPr lang="en-US" sz="800" dirty="0"/>
+              <a:t>(</a:t>
+            </a:r>
+            <a:r>
+              <a:rPr lang="en-US" sz="800" dirty="0" err="1"/>
+              <a:t>req.body.weight</a:t>
+            </a:r>
+            <a:r>
+              <a:rPr lang="en-US" sz="800" dirty="0"/>
+              <a:t>);// </a:t>
+            </a:r>
+          </a:p>
+          <a:p>
+            <a:pPr marL="914400" lvl="2" indent="0">
+              <a:buNone/>
+            </a:pPr>
+            <a:r>
+              <a:rPr lang="en-US" sz="800" dirty="0"/>
+              <a:t>var height=</a:t>
+            </a:r>
+            <a:r>
+              <a:rPr lang="en-US" sz="800" dirty="0" err="1"/>
+              <a:t>parseFloat</a:t>
+            </a:r>
+            <a:r>
+              <a:rPr lang="en-US" sz="800" dirty="0"/>
+              <a:t>(</a:t>
+            </a:r>
+            <a:r>
+              <a:rPr lang="en-US" sz="800" dirty="0" err="1"/>
+              <a:t>req.body.height</a:t>
+            </a:r>
+            <a:r>
+              <a:rPr lang="en-US" sz="800" dirty="0"/>
+              <a:t>);</a:t>
+            </a:r>
+          </a:p>
+          <a:p>
+            <a:pPr marL="914400" lvl="2" indent="0">
+              <a:buNone/>
+            </a:pPr>
+            <a:r>
+              <a:rPr lang="en-US" sz="800" dirty="0"/>
+              <a:t>var </a:t>
+            </a:r>
+            <a:r>
+              <a:rPr lang="en-US" sz="800" dirty="0" err="1"/>
+              <a:t>bmi</a:t>
+            </a:r>
+            <a:r>
+              <a:rPr lang="en-US" sz="800" dirty="0"/>
+              <a:t>=weight/(height*height);</a:t>
+            </a:r>
+          </a:p>
+          <a:p>
+            <a:pPr marL="914400" lvl="2" indent="0">
+              <a:buNone/>
+            </a:pPr>
+            <a:r>
+              <a:rPr lang="en-US" sz="800" dirty="0" err="1"/>
+              <a:t>res.send</a:t>
+            </a:r>
+            <a:r>
+              <a:rPr lang="en-US" sz="800" dirty="0"/>
+              <a:t>("Your </a:t>
+            </a:r>
+            <a:r>
+              <a:rPr lang="en-US" sz="800" dirty="0" err="1"/>
+              <a:t>bmi</a:t>
+            </a:r>
+            <a:r>
+              <a:rPr lang="en-US" sz="800" dirty="0"/>
+              <a:t> is "+</a:t>
+            </a:r>
+            <a:r>
+              <a:rPr lang="en-US" sz="800" dirty="0" err="1"/>
+              <a:t>bmi</a:t>
+            </a:r>
+            <a:r>
+              <a:rPr lang="en-US" sz="800" dirty="0"/>
+              <a:t>);</a:t>
+            </a:r>
+          </a:p>
+          <a:p>
+            <a:pPr marL="0" indent="0">
+              <a:buNone/>
+            </a:pPr>
+            <a:endParaRPr lang="en-US" sz="1600" dirty="0"/>
+          </a:p>
+          <a:p>
+            <a:pPr marL="0" indent="0">
+              <a:buNone/>
+            </a:pPr>
+            <a:r>
+              <a:rPr lang="en-US" sz="1600" dirty="0"/>
+              <a:t>});</a:t>
+            </a:r>
+          </a:p>
+          <a:p>
+            <a:pPr marL="0" indent="0">
+              <a:buNone/>
+            </a:pPr>
+            <a:endParaRPr lang="en-US" sz="1600" dirty="0"/>
+          </a:p>
+          <a:p>
+            <a:r>
+              <a:rPr lang="en-US" sz="1600" dirty="0"/>
+              <a:t>The above code wont work as we don’t have a way to parse through body data</a:t>
+            </a:r>
+          </a:p>
+        </p:txBody>
+      </p:sp>
+    </p:spTree>
+    <p:extLst>
+      <p:ext uri="{BB962C8B-B14F-4D97-AF65-F5344CB8AC3E}">
+        <p14:creationId xmlns:p14="http://schemas.microsoft.com/office/powerpoint/2010/main" val="1622006856"/>
+      </p:ext>
+    </p:extLst>
+  </p:cSld>
+  <p:clrMapOvr>
+    <a:masterClrMapping/>
+  </p:clrMapOvr>
+</p:sld>
+</file>
+
+<file path=ppt/slides/slide11.xml><?xml version="1.0" encoding="utf-8"?>
+<p:sld xmlns:a="http://schemas.openxmlformats.org/drawingml/2006/main" xmlns:r="http://schemas.openxmlformats.org/officeDocument/2006/relationships" xmlns:p="http://schemas.openxmlformats.org/presentationml/2006/main">
+  <p:cSld>
+    <p:spTree>
+      <p:nvGrpSpPr>
+        <p:cNvPr id="1" name=""/>
+        <p:cNvGrpSpPr/>
+        <p:nvPr/>
+      </p:nvGrpSpPr>
+      <p:grpSpPr>
+        <a:xfrm>
+          <a:off x="0" y="0"/>
+          <a:ext cx="0" cy="0"/>
+          <a:chOff x="0" y="0"/>
+          <a:chExt cx="0" cy="0"/>
+        </a:xfrm>
+      </p:grpSpPr>
+      <p:sp>
+        <p:nvSpPr>
+          <p:cNvPr id="2" name="Title 1">
+            <a:extLst>
+              <a:ext uri="{FF2B5EF4-FFF2-40B4-BE49-F238E27FC236}">
+                <a16:creationId xmlns:a16="http://schemas.microsoft.com/office/drawing/2014/main" id="{529C5628-78AC-5C8E-80FB-850A4EBC6A11}"/>
+              </a:ext>
+            </a:extLst>
+          </p:cNvPr>
+          <p:cNvSpPr>
+            <a:spLocks noGrp="1"/>
+          </p:cNvSpPr>
+          <p:nvPr>
+            <p:ph type="title"/>
+          </p:nvPr>
+        </p:nvSpPr>
+        <p:spPr/>
+        <p:txBody>
+          <a:bodyPr/>
+          <a:lstStyle/>
+          <a:p>
+            <a:r>
+              <a:rPr lang="en-US" dirty="0"/>
+              <a:t>Body Parser	</a:t>
+            </a:r>
+          </a:p>
+        </p:txBody>
+      </p:sp>
+      <p:sp>
+        <p:nvSpPr>
+          <p:cNvPr id="3" name="Content Placeholder 2">
+            <a:extLst>
+              <a:ext uri="{FF2B5EF4-FFF2-40B4-BE49-F238E27FC236}">
+                <a16:creationId xmlns:a16="http://schemas.microsoft.com/office/drawing/2014/main" id="{75422B36-8D07-9965-C9EA-10083F8B6CBC}"/>
+              </a:ext>
+            </a:extLst>
+          </p:cNvPr>
+          <p:cNvSpPr>
+            <a:spLocks noGrp="1"/>
+          </p:cNvSpPr>
+          <p:nvPr>
+            <p:ph idx="1"/>
+          </p:nvPr>
+        </p:nvSpPr>
+        <p:spPr/>
+        <p:txBody>
+          <a:bodyPr>
+            <a:normAutofit lnSpcReduction="10000"/>
+          </a:bodyPr>
+          <a:lstStyle/>
+          <a:p>
+            <a:r>
+              <a:rPr lang="en-US" dirty="0"/>
+              <a:t>A Body Parser is used to make use of the data that comes with client request </a:t>
+            </a:r>
+          </a:p>
+          <a:p>
+            <a:r>
+              <a:rPr lang="en-US" dirty="0"/>
+              <a:t>1</a:t>
+            </a:r>
+            <a:r>
+              <a:rPr lang="en-US" baseline="30000" dirty="0"/>
+              <a:t>st</a:t>
+            </a:r>
+            <a:r>
+              <a:rPr lang="en-US" dirty="0"/>
+              <a:t> step is to install body parser</a:t>
+            </a:r>
+          </a:p>
+          <a:p>
+            <a:pPr lvl="1"/>
+            <a:r>
+              <a:rPr lang="en-US" dirty="0" err="1"/>
+              <a:t>Npm</a:t>
+            </a:r>
+            <a:r>
+              <a:rPr lang="en-US" dirty="0"/>
+              <a:t> install body-parser</a:t>
+            </a:r>
+          </a:p>
+          <a:p>
+            <a:r>
+              <a:rPr lang="en-US" dirty="0"/>
+              <a:t>const </a:t>
+            </a:r>
+            <a:r>
+              <a:rPr lang="en-US" dirty="0" err="1"/>
+              <a:t>bodyparser</a:t>
+            </a:r>
+            <a:r>
+              <a:rPr lang="en-US" dirty="0"/>
+              <a:t> = require('body-parser’)</a:t>
+            </a:r>
+          </a:p>
+          <a:p>
+            <a:r>
+              <a:rPr lang="en-US" dirty="0" err="1"/>
+              <a:t>app.use</a:t>
+            </a:r>
+            <a:r>
+              <a:rPr lang="en-US" dirty="0"/>
+              <a:t>(</a:t>
+            </a:r>
+            <a:r>
+              <a:rPr lang="en-US" dirty="0" err="1"/>
+              <a:t>bodyparser.urlencoded</a:t>
+            </a:r>
+            <a:r>
+              <a:rPr lang="en-US" dirty="0"/>
+              <a:t>({</a:t>
+            </a:r>
+            <a:r>
+              <a:rPr lang="en-US" dirty="0" err="1"/>
+              <a:t>extended:true</a:t>
+            </a:r>
+            <a:r>
+              <a:rPr lang="en-US" dirty="0"/>
+              <a:t>}));// we will parse data from </a:t>
+            </a:r>
+            <a:r>
+              <a:rPr lang="en-US" dirty="0">
+                <a:solidFill>
+                  <a:srgbClr val="FF0000"/>
+                </a:solidFill>
+              </a:rPr>
+              <a:t>form</a:t>
+            </a:r>
+          </a:p>
+          <a:p>
+            <a:pPr lvl="1"/>
+            <a:r>
+              <a:rPr lang="en-US" dirty="0" err="1"/>
+              <a:t>extended:true</a:t>
+            </a:r>
+            <a:r>
+              <a:rPr lang="en-US" dirty="0">
+                <a:solidFill>
+                  <a:srgbClr val="FF0000"/>
+                </a:solidFill>
+              </a:rPr>
+              <a:t> is for using nested block</a:t>
+            </a:r>
+          </a:p>
+          <a:p>
+            <a:r>
+              <a:rPr lang="en-US" dirty="0"/>
+              <a:t>Usage </a:t>
+            </a:r>
+            <a:endParaRPr lang="en-US" dirty="0">
+              <a:solidFill>
+                <a:srgbClr val="FF0000"/>
+              </a:solidFill>
+            </a:endParaRPr>
+          </a:p>
+          <a:p>
+            <a:pPr lvl="1"/>
+            <a:r>
+              <a:rPr lang="en-US" sz="2400" dirty="0"/>
+              <a:t>var weight=</a:t>
+            </a:r>
+            <a:r>
+              <a:rPr lang="en-US" sz="2400" dirty="0" err="1"/>
+              <a:t>parseFloat</a:t>
+            </a:r>
+            <a:r>
+              <a:rPr lang="en-US" sz="2400" dirty="0"/>
+              <a:t>(</a:t>
+            </a:r>
+            <a:r>
+              <a:rPr lang="en-US" sz="2400" dirty="0" err="1"/>
+              <a:t>req.body.weight</a:t>
+            </a:r>
+            <a:r>
+              <a:rPr lang="en-US" sz="2400" dirty="0"/>
+              <a:t>);//</a:t>
+            </a:r>
+            <a:endParaRPr lang="en-US" dirty="0">
+              <a:solidFill>
+                <a:srgbClr val="FF0000"/>
+              </a:solidFill>
+            </a:endParaRPr>
+          </a:p>
+          <a:p>
+            <a:pPr lvl="1"/>
+            <a:endParaRPr lang="en-US" dirty="0">
+              <a:solidFill>
+                <a:srgbClr val="FF0000"/>
+              </a:solidFill>
+            </a:endParaRPr>
+          </a:p>
+          <a:p>
+            <a:endParaRPr lang="en-US" dirty="0"/>
+          </a:p>
+        </p:txBody>
+      </p:sp>
+    </p:spTree>
+    <p:extLst>
+      <p:ext uri="{BB962C8B-B14F-4D97-AF65-F5344CB8AC3E}">
+        <p14:creationId xmlns:p14="http://schemas.microsoft.com/office/powerpoint/2010/main" val="4281422223"/>
+      </p:ext>
+    </p:extLst>
+  </p:cSld>
+  <p:clrMapOvr>
+    <a:masterClrMapping/>
+  </p:clrMapOvr>
+</p:sld>
+</file>
+
 <file path=ppt/slides/slide2.xml><?xml version="1.0" encoding="utf-8"?>
 <p:sld xmlns:a="http://schemas.openxmlformats.org/drawingml/2006/main" xmlns:r="http://schemas.openxmlformats.org/officeDocument/2006/relationships" xmlns:p="http://schemas.openxmlformats.org/presentationml/2006/main">
   <p:cSld>
